--- a/slides/Unit6_CS1010 IO Library.pptx
+++ b/slides/Unit6_CS1010 IO Library.pptx
@@ -178,15 +178,6 @@
 </p:presentation>
 </file>
 
-<file path=ppt/revisionInfo.xml><?xml version="1.0" encoding="utf-8"?>
-<p1510:revInfo xmlns:a="http://schemas.openxmlformats.org/drawingml/2006/main" xmlns:r="http://schemas.openxmlformats.org/officeDocument/2006/relationships" xmlns:p1510="http://schemas.microsoft.com/office/powerpoint/2015/10/main">
-  <p1510:revLst>
-    <p1510:client id="{15604486-089B-436D-87FF-F28CD91D0208}" v="198" dt="2021-01-21T13:53:15.617"/>
-    <p1510:client id="{3342749F-A4A3-4CC6-8E89-A279285BF1FF}" v="286" dt="2021-01-21T12:52:54.143"/>
-  </p1510:revLst>
-</p1510:revInfo>
-</file>
-
 <file path=ppt/changesInfos/changesInfo1.xml><?xml version="1.0" encoding="utf-8"?>
 <pc:chgInfo xmlns:a="http://schemas.openxmlformats.org/drawingml/2006/main" xmlns:r="http://schemas.openxmlformats.org/officeDocument/2006/relationships" xmlns:ac="http://schemas.microsoft.com/office/drawing/2013/main/command" xmlns:pc="http://schemas.microsoft.com/office/powerpoint/2013/main/command">
   <pc:docChgLst>
@@ -1628,6 +1619,107 @@
       </pc:sldChg>
     </pc:docChg>
   </pc:docChgLst>
+  <pc:docChgLst>
+    <pc:chgData name="Zhao Jin" userId="cd05a825-544c-438a-9ba1-08e63db50b47" providerId="ADAL" clId="{C330491C-BA76-6847-A450-2CD8C6BF348D}"/>
+    <pc:docChg chg="undo custSel modSld">
+      <pc:chgData name="Zhao Jin" userId="cd05a825-544c-438a-9ba1-08e63db50b47" providerId="ADAL" clId="{C330491C-BA76-6847-A450-2CD8C6BF348D}" dt="2021-01-25T03:04:08.302" v="468" actId="478"/>
+      <pc:docMkLst>
+        <pc:docMk/>
+      </pc:docMkLst>
+      <pc:sldChg chg="addSp delSp modSp modAnim">
+        <pc:chgData name="Zhao Jin" userId="cd05a825-544c-438a-9ba1-08e63db50b47" providerId="ADAL" clId="{C330491C-BA76-6847-A450-2CD8C6BF348D}" dt="2021-01-25T03:02:46.562" v="336"/>
+        <pc:sldMkLst>
+          <pc:docMk/>
+          <pc:sldMk cId="4044705258" sldId="551"/>
+        </pc:sldMkLst>
+        <pc:spChg chg="add del mod">
+          <ac:chgData name="Zhao Jin" userId="cd05a825-544c-438a-9ba1-08e63db50b47" providerId="ADAL" clId="{C330491C-BA76-6847-A450-2CD8C6BF348D}" dt="2021-01-25T03:02:46.562" v="336"/>
+          <ac:spMkLst>
+            <pc:docMk/>
+            <pc:sldMk cId="4044705258" sldId="551"/>
+            <ac:spMk id="8" creationId="{2DE99C20-21E6-E347-B541-3CB993972349}"/>
+          </ac:spMkLst>
+        </pc:spChg>
+        <pc:spChg chg="del">
+          <ac:chgData name="Zhao Jin" userId="cd05a825-544c-438a-9ba1-08e63db50b47" providerId="ADAL" clId="{C330491C-BA76-6847-A450-2CD8C6BF348D}" dt="2021-01-25T02:25:01.225" v="0" actId="478"/>
+          <ac:spMkLst>
+            <pc:docMk/>
+            <pc:sldMk cId="4044705258" sldId="551"/>
+            <ac:spMk id="24582" creationId="{00000000-0000-0000-0000-000000000000}"/>
+          </ac:spMkLst>
+        </pc:spChg>
+      </pc:sldChg>
+      <pc:sldChg chg="delSp">
+        <pc:chgData name="Zhao Jin" userId="cd05a825-544c-438a-9ba1-08e63db50b47" providerId="ADAL" clId="{C330491C-BA76-6847-A450-2CD8C6BF348D}" dt="2021-01-25T03:04:08.302" v="468" actId="478"/>
+        <pc:sldMkLst>
+          <pc:docMk/>
+          <pc:sldMk cId="981944080" sldId="552"/>
+        </pc:sldMkLst>
+        <pc:spChg chg="del">
+          <ac:chgData name="Zhao Jin" userId="cd05a825-544c-438a-9ba1-08e63db50b47" providerId="ADAL" clId="{C330491C-BA76-6847-A450-2CD8C6BF348D}" dt="2021-01-25T03:04:08.302" v="468" actId="478"/>
+          <ac:spMkLst>
+            <pc:docMk/>
+            <pc:sldMk cId="981944080" sldId="552"/>
+            <ac:spMk id="24582" creationId="{00000000-0000-0000-0000-000000000000}"/>
+          </ac:spMkLst>
+        </pc:spChg>
+      </pc:sldChg>
+      <pc:sldChg chg="delSp modSp">
+        <pc:chgData name="Zhao Jin" userId="cd05a825-544c-438a-9ba1-08e63db50b47" providerId="ADAL" clId="{C330491C-BA76-6847-A450-2CD8C6BF348D}" dt="2021-01-25T02:27:26.465" v="82" actId="478"/>
+        <pc:sldMkLst>
+          <pc:docMk/>
+          <pc:sldMk cId="4067780456" sldId="553"/>
+        </pc:sldMkLst>
+        <pc:spChg chg="mod">
+          <ac:chgData name="Zhao Jin" userId="cd05a825-544c-438a-9ba1-08e63db50b47" providerId="ADAL" clId="{C330491C-BA76-6847-A450-2CD8C6BF348D}" dt="2021-01-25T02:27:15.051" v="81" actId="20577"/>
+          <ac:spMkLst>
+            <pc:docMk/>
+            <pc:sldMk cId="4067780456" sldId="553"/>
+            <ac:spMk id="10" creationId="{00000000-0000-0000-0000-000000000000}"/>
+          </ac:spMkLst>
+        </pc:spChg>
+        <pc:spChg chg="del">
+          <ac:chgData name="Zhao Jin" userId="cd05a825-544c-438a-9ba1-08e63db50b47" providerId="ADAL" clId="{C330491C-BA76-6847-A450-2CD8C6BF348D}" dt="2021-01-25T02:27:26.465" v="82" actId="478"/>
+          <ac:spMkLst>
+            <pc:docMk/>
+            <pc:sldMk cId="4067780456" sldId="553"/>
+            <ac:spMk id="24582" creationId="{00000000-0000-0000-0000-000000000000}"/>
+          </ac:spMkLst>
+        </pc:spChg>
+      </pc:sldChg>
+      <pc:sldChg chg="delSp modSp addAnim delAnim">
+        <pc:chgData name="Zhao Jin" userId="cd05a825-544c-438a-9ba1-08e63db50b47" providerId="ADAL" clId="{C330491C-BA76-6847-A450-2CD8C6BF348D}" dt="2021-01-25T03:03:53.347" v="467" actId="20577"/>
+        <pc:sldMkLst>
+          <pc:docMk/>
+          <pc:sldMk cId="1521000033" sldId="555"/>
+        </pc:sldMkLst>
+        <pc:spChg chg="mod">
+          <ac:chgData name="Zhao Jin" userId="cd05a825-544c-438a-9ba1-08e63db50b47" providerId="ADAL" clId="{C330491C-BA76-6847-A450-2CD8C6BF348D}" dt="2021-01-25T03:03:53.347" v="467" actId="20577"/>
+          <ac:spMkLst>
+            <pc:docMk/>
+            <pc:sldMk cId="1521000033" sldId="555"/>
+            <ac:spMk id="8" creationId="{F7DE2FBC-74BB-4BEE-B472-43E66977A75A}"/>
+          </ac:spMkLst>
+        </pc:spChg>
+        <pc:spChg chg="mod">
+          <ac:chgData name="Zhao Jin" userId="cd05a825-544c-438a-9ba1-08e63db50b47" providerId="ADAL" clId="{C330491C-BA76-6847-A450-2CD8C6BF348D}" dt="2021-01-25T02:29:21.549" v="88" actId="5793"/>
+          <ac:spMkLst>
+            <pc:docMk/>
+            <pc:sldMk cId="1521000033" sldId="555"/>
+            <ac:spMk id="13" creationId="{76AACBDB-EFE5-4782-AA9B-3760F5E7D3D7}"/>
+          </ac:spMkLst>
+        </pc:spChg>
+        <pc:spChg chg="del">
+          <ac:chgData name="Zhao Jin" userId="cd05a825-544c-438a-9ba1-08e63db50b47" providerId="ADAL" clId="{C330491C-BA76-6847-A450-2CD8C6BF348D}" dt="2021-01-25T02:27:31.822" v="83" actId="478"/>
+          <ac:spMkLst>
+            <pc:docMk/>
+            <pc:sldMk cId="1521000033" sldId="555"/>
+            <ac:spMk id="24582" creationId="{00000000-0000-0000-0000-000000000000}"/>
+          </ac:spMkLst>
+        </pc:spChg>
+      </pc:sldChg>
+    </pc:docChg>
+  </pc:docChgLst>
 </pc:chgInfo>
 </file>
 
@@ -2105,7 +2197,7 @@
               <a:pPr>
                 <a:defRPr/>
               </a:pPr>
-              <a:t>1/21/2021</a:t>
+              <a:t>1/25/21</a:t>
             </a:fld>
             <a:endParaRPr lang="en-US" dirty="0"/>
           </a:p>
@@ -6954,28 +7046,6 @@
       </p:sp>
       <p:sp>
         <p:nvSpPr>
-          <p:cNvPr id="24582" name="Footer Placeholder 41"/>
-          <p:cNvSpPr>
-            <a:spLocks noGrp="1"/>
-          </p:cNvSpPr>
-          <p:nvPr>
-            <p:ph type="ftr" sz="quarter" idx="11"/>
-          </p:nvPr>
-        </p:nvSpPr>
-        <p:spPr>
-          <a:noFill/>
-        </p:spPr>
-        <p:txBody>
-          <a:bodyPr/>
-          <a:lstStyle/>
-          <a:p>
-            <a:pPr algn="l"/>
-            <a:endParaRPr lang="en-US" dirty="0"/>
-          </a:p>
-        </p:txBody>
-      </p:sp>
-      <p:sp>
-        <p:nvSpPr>
           <p:cNvPr id="43" name="Slide Number Placeholder 42"/>
           <p:cNvSpPr>
             <a:spLocks noGrp="1"/>
@@ -7889,28 +7959,6 @@
       </p:sp>
       <p:sp>
         <p:nvSpPr>
-          <p:cNvPr id="24582" name="Footer Placeholder 41"/>
-          <p:cNvSpPr>
-            <a:spLocks noGrp="1"/>
-          </p:cNvSpPr>
-          <p:nvPr>
-            <p:ph type="ftr" sz="quarter" idx="11"/>
-          </p:nvPr>
-        </p:nvSpPr>
-        <p:spPr>
-          <a:noFill/>
-        </p:spPr>
-        <p:txBody>
-          <a:bodyPr/>
-          <a:lstStyle/>
-          <a:p>
-            <a:pPr algn="l"/>
-            <a:endParaRPr lang="en-US" dirty="0"/>
-          </a:p>
-        </p:txBody>
-      </p:sp>
-      <p:sp>
-        <p:nvSpPr>
           <p:cNvPr id="43" name="Slide Number Placeholder 42"/>
           <p:cNvSpPr>
             <a:spLocks noGrp="1"/>
@@ -8426,28 +8474,6 @@
       </p:sp>
       <p:sp>
         <p:nvSpPr>
-          <p:cNvPr id="24582" name="Footer Placeholder 41"/>
-          <p:cNvSpPr>
-            <a:spLocks noGrp="1"/>
-          </p:cNvSpPr>
-          <p:nvPr>
-            <p:ph type="ftr" sz="quarter" idx="11"/>
-          </p:nvPr>
-        </p:nvSpPr>
-        <p:spPr>
-          <a:noFill/>
-        </p:spPr>
-        <p:txBody>
-          <a:bodyPr/>
-          <a:lstStyle/>
-          <a:p>
-            <a:pPr algn="l"/>
-            <a:endParaRPr lang="en-US" dirty="0"/>
-          </a:p>
-        </p:txBody>
-      </p:sp>
-      <p:sp>
-        <p:nvSpPr>
           <p:cNvPr id="43" name="Slide Number Placeholder 42"/>
           <p:cNvSpPr>
             <a:spLocks noGrp="1"/>
@@ -8924,28 +8950,6 @@
       </p:sp>
       <p:sp>
         <p:nvSpPr>
-          <p:cNvPr id="24582" name="Footer Placeholder 41"/>
-          <p:cNvSpPr>
-            <a:spLocks noGrp="1"/>
-          </p:cNvSpPr>
-          <p:nvPr>
-            <p:ph type="ftr" sz="quarter" idx="11"/>
-          </p:nvPr>
-        </p:nvSpPr>
-        <p:spPr>
-          <a:noFill/>
-        </p:spPr>
-        <p:txBody>
-          <a:bodyPr/>
-          <a:lstStyle/>
-          <a:p>
-            <a:pPr algn="l"/>
-            <a:endParaRPr lang="en-US" dirty="0"/>
-          </a:p>
-        </p:txBody>
-      </p:sp>
-      <p:sp>
-        <p:nvSpPr>
           <p:cNvPr id="43" name="Slide Number Placeholder 42"/>
           <p:cNvSpPr>
             <a:spLocks noGrp="1"/>
@@ -9150,7 +9154,7 @@
         <p:spPr>
           <a:xfrm>
             <a:off x="908958" y="1876485"/>
-            <a:ext cx="6515177" cy="3693319"/>
+            <a:ext cx="6515177" cy="3970318"/>
           </a:xfrm>
           <a:prstGeom prst="rect">
             <a:avLst/>
@@ -9613,6 +9617,41 @@
               </a:tabLst>
             </a:pPr>
             <a:r>
+              <a:rPr lang="en-US" b="1" dirty="0">
+                <a:solidFill>
+                  <a:schemeClr val="tx1"/>
+                </a:solidFill>
+                <a:highlight>
+                  <a:srgbClr val="FFFF00"/>
+                </a:highlight>
+                <a:latin typeface="Courier New" panose="02070309020205020404" pitchFamily="49" charset="0"/>
+                <a:cs typeface="Courier New" panose="02070309020205020404" pitchFamily="49" charset="0"/>
+              </a:rPr>
+              <a:t>…</a:t>
+            </a:r>
+            <a:endParaRPr lang="en-US" b="1" i="0" dirty="0">
+              <a:solidFill>
+                <a:schemeClr val="tx1"/>
+              </a:solidFill>
+              <a:effectLst/>
+              <a:highlight>
+                <a:srgbClr val="FFFF00"/>
+              </a:highlight>
+              <a:latin typeface="Courier New" panose="02070309020205020404" pitchFamily="49" charset="0"/>
+              <a:cs typeface="Courier New" panose="02070309020205020404" pitchFamily="49" charset="0"/>
+            </a:endParaRPr>
+          </a:p>
+          <a:p>
+            <a:pPr>
+              <a:tabLst>
+                <a:tab pos="347663" algn="l"/>
+                <a:tab pos="682625" algn="l"/>
+                <a:tab pos="1087438" algn="l"/>
+                <a:tab pos="1377950" algn="l"/>
+                <a:tab pos="1712913" algn="l"/>
+              </a:tabLst>
+            </a:pPr>
+            <a:r>
               <a:rPr lang="en-US" b="1" i="0" dirty="0">
                 <a:solidFill>
                   <a:schemeClr val="tx1"/>
@@ -9650,8 +9689,8 @@
         </p:nvSpPr>
         <p:spPr>
           <a:xfrm>
-            <a:off x="5021581" y="5693863"/>
-            <a:ext cx="3769880" cy="923330"/>
+            <a:off x="3385458" y="5661206"/>
+            <a:ext cx="4996542" cy="646331"/>
           </a:xfrm>
           <a:prstGeom prst="rect">
             <a:avLst/>
@@ -9683,29 +9722,7 @@
           <a:p>
             <a:r>
               <a:rPr lang="en-US" dirty="0"/>
-              <a:t>Read the compilation guide at "Software/Tools" </a:t>
-            </a:r>
-            <a:r>
-              <a:rPr lang="en-US" dirty="0">
-                <a:sym typeface="Wingdings" panose="05000000000000000000" pitchFamily="2" charset="2"/>
-              </a:rPr>
-              <a:t> "</a:t>
-            </a:r>
-            <a:r>
-              <a:rPr lang="en-US" dirty="0" err="1">
-                <a:sym typeface="Wingdings" panose="05000000000000000000" pitchFamily="2" charset="2"/>
-              </a:rPr>
-              <a:t>CLang</a:t>
-            </a:r>
-            <a:r>
-              <a:rPr lang="en-US" dirty="0">
-                <a:sym typeface="Wingdings" panose="05000000000000000000" pitchFamily="2" charset="2"/>
-              </a:rPr>
-              <a:t>" </a:t>
-            </a:r>
-            <a:r>
-              <a:rPr lang="en-US" dirty="0"/>
-              <a:t>if you do not know how to compile this!</a:t>
+              <a:t>Follow the instructions in “CS1010 I/O Library” to install the library and compile with it. </a:t>
             </a:r>
           </a:p>
         </p:txBody>
